--- a/Parte 2/Presentazione TedxTok(parte 2).pptx
+++ b/Parte 2/Presentazione TedxTok(parte 2).pptx
@@ -267,8 +267,11 @@
     </a:lvl9pPr>
   </p:defaultTextStyle>
   <p:extLst>
+    <p:ext uri="{EFAFB233-063F-42B5-8137-9DF3F51BA10A}">
+      <p15:sldGuideLst xmlns:p15="http://schemas.microsoft.com/office/powerpoint/2012/main"/>
+    </p:ext>
     <p:ext uri="GoogleSlidesCustomDataVersion2">
-      <go:slidesCustomData xmlns:go="http://customooxmlschemas.google.com/" xmlns:ahyp="http://schemas.microsoft.com/office/drawing/2018/hyperlinkcolor" xmlns:p15="http://schemas.microsoft.com/office/powerpoint/2012/main" xmlns:p14="http://schemas.microsoft.com/office/powerpoint/2010/main" xmlns:com="http://schemas.openxmlformats.org/drawingml/2006/compatibility" xmlns:pvml="urn:schemas-microsoft-com:office:powerpoint" xmlns:v="urn:schemas-microsoft-com:vml" xmlns:o="urn:schemas-microsoft-com:office:office" xmlns:dgm="http://schemas.openxmlformats.org/drawingml/2006/diagram" xmlns:c="http://schemas.openxmlformats.org/drawingml/2006/chart" xmlns:mv="urn:schemas-microsoft-com:mac:vml" xmlns:mc="http://schemas.openxmlformats.org/markup-compatibility/2006" xmlns="" r:id="rId22" roundtripDataSignature="AMtx7mhz1SmdKV2hiuRVC0M0Qv/I3R/bJw=="/>
+      <go:slidesCustomData xmlns="" xmlns:mc="http://schemas.openxmlformats.org/markup-compatibility/2006" xmlns:mv="urn:schemas-microsoft-com:mac:vml" xmlns:c="http://schemas.openxmlformats.org/drawingml/2006/chart" xmlns:dgm="http://schemas.openxmlformats.org/drawingml/2006/diagram" xmlns:o="urn:schemas-microsoft-com:office:office" xmlns:v="urn:schemas-microsoft-com:vml" xmlns:pvml="urn:schemas-microsoft-com:office:powerpoint" xmlns:com="http://schemas.openxmlformats.org/drawingml/2006/compatibility" xmlns:p14="http://schemas.microsoft.com/office/powerpoint/2010/main" xmlns:p15="http://schemas.microsoft.com/office/powerpoint/2012/main" xmlns:ahyp="http://schemas.microsoft.com/office/drawing/2018/hyperlinkcolor" xmlns:go="http://customooxmlschemas.google.com/" r:id="rId22" roundtripDataSignature="AMtx7mhz1SmdKV2hiuRVC0M0Qv/I3R/bJw=="/>
     </p:ext>
   </p:extLst>
 </p:presentation>
@@ -16349,10 +16352,10 @@
       </p:sp>
       <p:pic>
         <p:nvPicPr>
-          <p:cNvPr id="3" name="Immagine 2">
+          <p:cNvPr id="4" name="Immagine 3">
             <a:extLst>
               <a:ext uri="{FF2B5EF4-FFF2-40B4-BE49-F238E27FC236}">
-                <a16:creationId xmlns:a16="http://schemas.microsoft.com/office/drawing/2014/main" id="{BBD6DD64-DD9C-51D7-50B6-0A8DBC8F3086}"/>
+                <a16:creationId xmlns:a16="http://schemas.microsoft.com/office/drawing/2014/main" id="{F6CD2865-1145-4E75-4500-9F0C2ED57EF8}"/>
               </a:ext>
             </a:extLst>
           </p:cNvPr>
@@ -16369,8 +16372,8 @@
         </p:blipFill>
         <p:spPr>
           <a:xfrm>
-            <a:off x="2880472" y="1549377"/>
-            <a:ext cx="6431055" cy="4943498"/>
+            <a:off x="2392315" y="1530874"/>
+            <a:ext cx="7666085" cy="4739553"/>
           </a:xfrm>
           <a:prstGeom prst="rect">
             <a:avLst/>
@@ -16474,10 +16477,10 @@
       </p:sp>
       <p:pic>
         <p:nvPicPr>
-          <p:cNvPr id="5" name="Immagine 4">
+          <p:cNvPr id="3" name="Immagine 2">
             <a:extLst>
               <a:ext uri="{FF2B5EF4-FFF2-40B4-BE49-F238E27FC236}">
-                <a16:creationId xmlns:a16="http://schemas.microsoft.com/office/drawing/2014/main" id="{C2A5F069-AAF8-20E3-E41F-69FB04B53F76}"/>
+                <a16:creationId xmlns:a16="http://schemas.microsoft.com/office/drawing/2014/main" id="{BF50FFFE-99F4-B42E-381E-FEF6FB9726CF}"/>
               </a:ext>
             </a:extLst>
           </p:cNvPr>
@@ -16494,14 +16497,69 @@
         </p:blipFill>
         <p:spPr>
           <a:xfrm>
-            <a:off x="1109121" y="1690825"/>
-            <a:ext cx="10244679" cy="4327014"/>
+            <a:off x="340940" y="1601528"/>
+            <a:ext cx="9170332" cy="4439004"/>
           </a:xfrm>
           <a:prstGeom prst="rect">
             <a:avLst/>
           </a:prstGeom>
         </p:spPr>
       </p:pic>
+      <p:sp>
+        <p:nvSpPr>
+          <p:cNvPr id="4" name="CasellaDiTesto 3">
+            <a:extLst>
+              <a:ext uri="{FF2B5EF4-FFF2-40B4-BE49-F238E27FC236}">
+                <a16:creationId xmlns:a16="http://schemas.microsoft.com/office/drawing/2014/main" id="{8114BF30-FBFC-C37A-2BD8-82AFFA4652E9}"/>
+              </a:ext>
+            </a:extLst>
+          </p:cNvPr>
+          <p:cNvSpPr txBox="1"/>
+          <p:nvPr/>
+        </p:nvSpPr>
+        <p:spPr>
+          <a:xfrm>
+            <a:off x="9852212" y="1690825"/>
+            <a:ext cx="2339788" cy="1631216"/>
+          </a:xfrm>
+          <a:prstGeom prst="rect">
+            <a:avLst/>
+          </a:prstGeom>
+          <a:noFill/>
+        </p:spPr>
+        <p:txBody>
+          <a:bodyPr wrap="square" rtlCol="0">
+            <a:spAutoFit/>
+          </a:bodyPr>
+          <a:lstStyle/>
+          <a:p>
+            <a:r>
+              <a:rPr lang="it-IT" sz="2000" dirty="0">
+                <a:solidFill>
+                  <a:schemeClr val="bg1"/>
+                </a:solidFill>
+              </a:rPr>
+              <a:t>Utilizzo di </a:t>
+            </a:r>
+            <a:r>
+              <a:rPr lang="it-IT" sz="2000" dirty="0" err="1">
+                <a:solidFill>
+                  <a:schemeClr val="bg1"/>
+                </a:solidFill>
+              </a:rPr>
+              <a:t>array_distinct</a:t>
+            </a:r>
+            <a:r>
+              <a:rPr lang="it-IT" sz="2000" dirty="0">
+                <a:solidFill>
+                  <a:schemeClr val="bg1"/>
+                </a:solidFill>
+              </a:rPr>
+              <a:t> per togliere gli eventuali video duplicati</a:t>
+            </a:r>
+          </a:p>
+        </p:txBody>
+      </p:sp>
     </p:spTree>
     <p:extLst>
       <p:ext uri="{BB962C8B-B14F-4D97-AF65-F5344CB8AC3E}">
@@ -16534,50 +16592,130 @@
       </p:grpSpPr>
       <p:sp>
         <p:nvSpPr>
-          <p:cNvPr id="185" name="Google Shape;185;g2dae90a407d_1_5"/>
-          <p:cNvSpPr txBox="1">
-            <a:spLocks noGrp="1"/>
-          </p:cNvSpPr>
-          <p:nvPr>
-            <p:ph type="body" idx="1"/>
-          </p:nvPr>
+          <p:cNvPr id="6" name="CasellaDiTesto 5">
+            <a:extLst>
+              <a:ext uri="{FF2B5EF4-FFF2-40B4-BE49-F238E27FC236}">
+                <a16:creationId xmlns:a16="http://schemas.microsoft.com/office/drawing/2014/main" id="{16C20DD6-1C39-8DFC-43EA-F778698FEB46}"/>
+              </a:ext>
+            </a:extLst>
+          </p:cNvPr>
+          <p:cNvSpPr txBox="1"/>
+          <p:nvPr/>
         </p:nvSpPr>
         <p:spPr>
           <a:xfrm>
-            <a:off x="838200" y="1917065"/>
-            <a:ext cx="10515600" cy="4351200"/>
+            <a:off x="1524000" y="407138"/>
+            <a:ext cx="9144000" cy="707886"/>
           </a:xfrm>
           <a:prstGeom prst="rect">
             <a:avLst/>
           </a:prstGeom>
           <a:noFill/>
-          <a:ln>
-            <a:noFill/>
-          </a:ln>
         </p:spPr>
         <p:txBody>
-          <a:bodyPr spcFirstLastPara="1" wrap="square" lIns="91425" tIns="45700" rIns="91425" bIns="45700" anchor="t" anchorCtr="0">
-            <a:normAutofit/>
+          <a:bodyPr wrap="square" rtlCol="0">
+            <a:spAutoFit/>
           </a:bodyPr>
           <a:lstStyle/>
           <a:p>
-            <a:pPr marL="0" lvl="0" indent="0" algn="l" rtl="0">
-              <a:lnSpc>
-                <a:spcPct val="90000"/>
-              </a:lnSpc>
-              <a:spcBef>
-                <a:spcPts val="1000"/>
-              </a:spcBef>
-              <a:spcAft>
-                <a:spcPts val="1600"/>
-              </a:spcAft>
-              <a:buSzPts val="1800"/>
-              <a:buNone/>
-            </a:pPr>
-            <a:endParaRPr/>
+            <a:r>
+              <a:rPr lang="it-IT" sz="4000" dirty="0">
+                <a:solidFill>
+                  <a:schemeClr val="bg1"/>
+                </a:solidFill>
+              </a:rPr>
+              <a:t>Dato in </a:t>
+            </a:r>
+            <a:r>
+              <a:rPr lang="it-IT" sz="4000" dirty="0" err="1">
+                <a:solidFill>
+                  <a:schemeClr val="bg1"/>
+                </a:solidFill>
+              </a:rPr>
+              <a:t>MongoDB</a:t>
+            </a:r>
+            <a:r>
+              <a:rPr lang="it-IT" sz="4000" dirty="0">
+                <a:solidFill>
+                  <a:schemeClr val="bg1"/>
+                </a:solidFill>
+              </a:rPr>
+              <a:t> di </a:t>
+            </a:r>
+            <a:r>
+              <a:rPr lang="it-IT" sz="4000" dirty="0" err="1">
+                <a:solidFill>
+                  <a:schemeClr val="bg1"/>
+                </a:solidFill>
+              </a:rPr>
+              <a:t>TedTok_Tag_data</a:t>
+            </a:r>
+            <a:endParaRPr lang="it-IT" sz="4000" dirty="0">
+              <a:solidFill>
+                <a:schemeClr val="bg1"/>
+              </a:solidFill>
+            </a:endParaRPr>
           </a:p>
         </p:txBody>
       </p:sp>
+      <p:pic>
+        <p:nvPicPr>
+          <p:cNvPr id="8" name="Immagine 7" descr="Immagine che contiene testo, Carattere, schermata&#10;&#10;Descrizione generata automaticamente">
+            <a:extLst>
+              <a:ext uri="{FF2B5EF4-FFF2-40B4-BE49-F238E27FC236}">
+                <a16:creationId xmlns:a16="http://schemas.microsoft.com/office/drawing/2014/main" id="{E87E4128-AEAE-031D-C2A3-F01DD50531B5}"/>
+              </a:ext>
+            </a:extLst>
+          </p:cNvPr>
+          <p:cNvPicPr>
+            <a:picLocks noChangeAspect="1"/>
+          </p:cNvPicPr>
+          <p:nvPr/>
+        </p:nvPicPr>
+        <p:blipFill rotWithShape="1">
+          <a:blip r:embed="rId3"/>
+          <a:srcRect t="31668" r="7068"/>
+          <a:stretch/>
+        </p:blipFill>
+        <p:spPr>
+          <a:xfrm>
+            <a:off x="987071" y="4195480"/>
+            <a:ext cx="10307262" cy="1402433"/>
+          </a:xfrm>
+          <a:prstGeom prst="rect">
+            <a:avLst/>
+          </a:prstGeom>
+        </p:spPr>
+      </p:pic>
+      <p:pic>
+        <p:nvPicPr>
+          <p:cNvPr id="10" name="Immagine 9" descr="Immagine che contiene testo, Carattere, bianco, schermata&#10;&#10;Descrizione generata automaticamente">
+            <a:extLst>
+              <a:ext uri="{FF2B5EF4-FFF2-40B4-BE49-F238E27FC236}">
+                <a16:creationId xmlns:a16="http://schemas.microsoft.com/office/drawing/2014/main" id="{9F51842A-3DAB-75C4-0A19-0D15298BB977}"/>
+              </a:ext>
+            </a:extLst>
+          </p:cNvPr>
+          <p:cNvPicPr>
+            <a:picLocks noChangeAspect="1"/>
+          </p:cNvPicPr>
+          <p:nvPr/>
+        </p:nvPicPr>
+        <p:blipFill rotWithShape="1">
+          <a:blip r:embed="rId4"/>
+          <a:srcRect r="-110" b="11718"/>
+          <a:stretch/>
+        </p:blipFill>
+        <p:spPr>
+          <a:xfrm>
+            <a:off x="987071" y="1680882"/>
+            <a:ext cx="10322630" cy="2514598"/>
+          </a:xfrm>
+          <a:prstGeom prst="rect">
+            <a:avLst/>
+          </a:prstGeom>
+        </p:spPr>
+      </p:pic>
     </p:spTree>
   </p:cSld>
   <p:clrMapOvr>
@@ -16659,56 +16797,6 @@
       </p:sp>
       <p:sp>
         <p:nvSpPr>
-          <p:cNvPr id="178" name="Google Shape;178;g2dae90a407d_1_0"/>
-          <p:cNvSpPr txBox="1">
-            <a:spLocks noGrp="1"/>
-          </p:cNvSpPr>
-          <p:nvPr>
-            <p:ph type="body" idx="1"/>
-          </p:nvPr>
-        </p:nvSpPr>
-        <p:spPr>
-          <a:xfrm>
-            <a:off x="1730000" y="2090075"/>
-            <a:ext cx="4708500" cy="3881700"/>
-          </a:xfrm>
-          <a:prstGeom prst="rect">
-            <a:avLst/>
-          </a:prstGeom>
-          <a:noFill/>
-          <a:ln>
-            <a:noFill/>
-          </a:ln>
-        </p:spPr>
-        <p:txBody>
-          <a:bodyPr spcFirstLastPara="1" wrap="square" lIns="121900" tIns="121900" rIns="121900" bIns="121900" anchor="t" anchorCtr="0">
-            <a:normAutofit/>
-          </a:bodyPr>
-          <a:lstStyle/>
-          <a:p>
-            <a:pPr marL="457200" lvl="0" indent="-228600" algn="l" rtl="0">
-              <a:lnSpc>
-                <a:spcPct val="115000"/>
-              </a:lnSpc>
-              <a:spcBef>
-                <a:spcPts val="0"/>
-              </a:spcBef>
-              <a:spcAft>
-                <a:spcPts val="0"/>
-              </a:spcAft>
-              <a:buSzPts val="1700"/>
-              <a:buNone/>
-            </a:pPr>
-            <a:r>
-              <a:rPr lang="it-IT"/>
-              <a:t>aaa</a:t>
-            </a:r>
-            <a:endParaRPr/>
-          </a:p>
-        </p:txBody>
-      </p:sp>
-      <p:sp>
-        <p:nvSpPr>
           <p:cNvPr id="179" name="Google Shape;179;g2dae90a407d_1_0"/>
           <p:cNvSpPr txBox="1">
             <a:spLocks noGrp="1"/>
@@ -16750,10 +16838,10 @@
               <a:buNone/>
             </a:pPr>
             <a:r>
-              <a:rPr lang="it-IT"/>
+              <a:rPr lang="it-IT" dirty="0"/>
               <a:t>VANTAGGI</a:t>
             </a:r>
-            <a:endParaRPr/>
+            <a:endParaRPr dirty="0"/>
           </a:p>
         </p:txBody>
       </p:sp>
@@ -16782,30 +16870,192 @@
           </a:bodyPr>
           <a:lstStyle/>
           <a:p>
-            <a:pPr marL="0" lvl="0" indent="0" algn="l" rtl="0">
-              <a:spcBef>
-                <a:spcPts val="0"/>
-              </a:spcBef>
-              <a:spcAft>
-                <a:spcPts val="0"/>
-              </a:spcAft>
-              <a:buNone/>
+            <a:pPr marL="285750" lvl="0" indent="-285750" algn="l" rtl="0">
+              <a:spcBef>
+                <a:spcPts val="0"/>
+              </a:spcBef>
+              <a:spcAft>
+                <a:spcPts val="0"/>
+              </a:spcAft>
+              <a:buClr>
+                <a:schemeClr val="bg1"/>
+              </a:buClr>
+              <a:buFont typeface="Arial" panose="020B0604020202020204" pitchFamily="34" charset="0"/>
+              <a:buChar char="•"/>
             </a:pPr>
             <a:r>
-              <a:rPr lang="it-IT" sz="1700">
-                <a:solidFill>
-                  <a:schemeClr val="lt1"/>
-                </a:solidFill>
-                <a:latin typeface="Lato"/>
-                <a:ea typeface="Lato"/>
-                <a:cs typeface="Lato"/>
-                <a:sym typeface="Lato"/>
+              <a:rPr lang="it-IT" sz="1800" dirty="0">
+                <a:solidFill>
+                  <a:schemeClr val="bg1"/>
+                </a:solidFill>
               </a:rPr>
-              <a:t>aaa</a:t>
+              <a:t>Facilitazione degli interessi dell’utente nella ricerca di talk che lo interessano.</a:t>
             </a:r>
-            <a:endParaRPr sz="1700">
+          </a:p>
+          <a:p>
+            <a:pPr marL="285750" lvl="0" indent="-285750" algn="l" rtl="0">
+              <a:spcBef>
+                <a:spcPts val="0"/>
+              </a:spcBef>
+              <a:spcAft>
+                <a:spcPts val="0"/>
+              </a:spcAft>
+              <a:buClr>
+                <a:schemeClr val="bg1"/>
+              </a:buClr>
+              <a:buFont typeface="Arial" panose="020B0604020202020204" pitchFamily="34" charset="0"/>
+              <a:buChar char="•"/>
+            </a:pPr>
+            <a:endParaRPr lang="it-IT" sz="1800" dirty="0">
               <a:solidFill>
-                <a:schemeClr val="lt1"/>
+                <a:schemeClr val="bg1"/>
+              </a:solidFill>
+            </a:endParaRPr>
+          </a:p>
+          <a:p>
+            <a:pPr marL="285750" lvl="0" indent="-285750" algn="l" rtl="0">
+              <a:spcBef>
+                <a:spcPts val="0"/>
+              </a:spcBef>
+              <a:spcAft>
+                <a:spcPts val="0"/>
+              </a:spcAft>
+              <a:buClr>
+                <a:schemeClr val="bg1"/>
+              </a:buClr>
+              <a:buFont typeface="Arial" panose="020B0604020202020204" pitchFamily="34" charset="0"/>
+              <a:buChar char="•"/>
+            </a:pPr>
+            <a:r>
+              <a:rPr lang="it-IT" sz="1800" dirty="0">
+                <a:solidFill>
+                  <a:schemeClr val="bg1"/>
+                </a:solidFill>
+              </a:rPr>
+              <a:t>Facilitazione all'accesso dei talk correlati, sia per ID che per tag.</a:t>
+            </a:r>
+          </a:p>
+          <a:p>
+            <a:pPr marL="285750" lvl="0" indent="-285750" algn="l" rtl="0">
+              <a:spcBef>
+                <a:spcPts val="0"/>
+              </a:spcBef>
+              <a:spcAft>
+                <a:spcPts val="0"/>
+              </a:spcAft>
+              <a:buClr>
+                <a:schemeClr val="bg1"/>
+              </a:buClr>
+              <a:buFont typeface="Arial" panose="020B0604020202020204" pitchFamily="34" charset="0"/>
+              <a:buChar char="•"/>
+            </a:pPr>
+            <a:endParaRPr lang="it-IT" sz="1100" u="sng" dirty="0">
+              <a:solidFill>
+                <a:schemeClr val="bg1"/>
+              </a:solidFill>
+              <a:latin typeface="Lato"/>
+              <a:ea typeface="Lato"/>
+              <a:cs typeface="Lato"/>
+              <a:sym typeface="Lato"/>
+            </a:endParaRPr>
+          </a:p>
+        </p:txBody>
+      </p:sp>
+      <p:sp>
+        <p:nvSpPr>
+          <p:cNvPr id="2" name="Google Shape;180;g2dae90a407d_1_0">
+            <a:extLst>
+              <a:ext uri="{FF2B5EF4-FFF2-40B4-BE49-F238E27FC236}">
+                <a16:creationId xmlns:a16="http://schemas.microsoft.com/office/drawing/2014/main" id="{33E79721-41D7-B3EC-7557-B49C56433C25}"/>
+              </a:ext>
+            </a:extLst>
+          </p:cNvPr>
+          <p:cNvSpPr txBox="1"/>
+          <p:nvPr/>
+        </p:nvSpPr>
+        <p:spPr>
+          <a:xfrm>
+            <a:off x="1730000" y="2118625"/>
+            <a:ext cx="4708500" cy="3881700"/>
+          </a:xfrm>
+          <a:prstGeom prst="rect">
+            <a:avLst/>
+          </a:prstGeom>
+          <a:noFill/>
+          <a:ln>
+            <a:noFill/>
+          </a:ln>
+        </p:spPr>
+        <p:txBody>
+          <a:bodyPr spcFirstLastPara="1" wrap="square" lIns="91425" tIns="91425" rIns="91425" bIns="91425" anchor="t" anchorCtr="0">
+            <a:noAutofit/>
+          </a:bodyPr>
+          <a:lstStyle/>
+          <a:p>
+            <a:pPr marL="514350" indent="-285750">
+              <a:buClr>
+                <a:schemeClr val="bg1"/>
+              </a:buClr>
+              <a:buFont typeface="Arial" panose="020B0604020202020204" pitchFamily="34" charset="0"/>
+              <a:buChar char="•"/>
+            </a:pPr>
+            <a:r>
+              <a:rPr lang="it-IT" sz="1800" dirty="0">
+                <a:solidFill>
+                  <a:schemeClr val="bg1"/>
+                </a:solidFill>
+              </a:rPr>
+              <a:t>Alto livello di duplicazione dei dati dei talk(nella collezione dei tags).</a:t>
+            </a:r>
+          </a:p>
+          <a:p>
+            <a:pPr marL="514350" indent="-285750">
+              <a:buClr>
+                <a:schemeClr val="bg1"/>
+              </a:buClr>
+              <a:buFont typeface="Arial" panose="020B0604020202020204" pitchFamily="34" charset="0"/>
+              <a:buChar char="•"/>
+            </a:pPr>
+            <a:endParaRPr lang="it-IT" sz="1800" dirty="0">
+              <a:solidFill>
+                <a:schemeClr val="bg1"/>
+              </a:solidFill>
+            </a:endParaRPr>
+          </a:p>
+          <a:p>
+            <a:pPr marL="514350" indent="-285750">
+              <a:buClr>
+                <a:schemeClr val="bg1"/>
+              </a:buClr>
+              <a:buFont typeface="Arial" panose="020B0604020202020204" pitchFamily="34" charset="0"/>
+              <a:buChar char="•"/>
+            </a:pPr>
+            <a:r>
+              <a:rPr lang="it-IT" sz="1800" dirty="0">
+                <a:solidFill>
+                  <a:schemeClr val="bg1"/>
+                </a:solidFill>
+              </a:rPr>
+              <a:t>Inserimento di nuovi talk potrebbe richiedere la ricostruzione di tutte le collezioni</a:t>
+            </a:r>
+          </a:p>
+          <a:p>
+            <a:pPr marL="285750" lvl="0" indent="-285750" algn="l" rtl="0">
+              <a:spcBef>
+                <a:spcPts val="0"/>
+              </a:spcBef>
+              <a:spcAft>
+                <a:spcPts val="0"/>
+              </a:spcAft>
+              <a:buClr>
+                <a:schemeClr val="bg1"/>
+              </a:buClr>
+              <a:buFont typeface="Arial" panose="020B0604020202020204" pitchFamily="34" charset="0"/>
+              <a:buChar char="•"/>
+            </a:pPr>
+            <a:endParaRPr lang="it-IT" sz="1100" u="sng" dirty="0">
+              <a:solidFill>
+                <a:schemeClr val="bg1"/>
               </a:solidFill>
               <a:latin typeface="Lato"/>
               <a:ea typeface="Lato"/>

--- a/Parte 2/Presentazione TedxTok(parte 2).pptx
+++ b/Parte 2/Presentazione TedxTok(parte 2).pptx
@@ -271,7 +271,7 @@
       <p15:sldGuideLst xmlns:p15="http://schemas.microsoft.com/office/powerpoint/2012/main"/>
     </p:ext>
     <p:ext uri="GoogleSlidesCustomDataVersion2">
-      <go:slidesCustomData xmlns="" xmlns:mc="http://schemas.openxmlformats.org/markup-compatibility/2006" xmlns:mv="urn:schemas-microsoft-com:mac:vml" xmlns:c="http://schemas.openxmlformats.org/drawingml/2006/chart" xmlns:dgm="http://schemas.openxmlformats.org/drawingml/2006/diagram" xmlns:o="urn:schemas-microsoft-com:office:office" xmlns:v="urn:schemas-microsoft-com:vml" xmlns:pvml="urn:schemas-microsoft-com:office:powerpoint" xmlns:com="http://schemas.openxmlformats.org/drawingml/2006/compatibility" xmlns:p14="http://schemas.microsoft.com/office/powerpoint/2010/main" xmlns:p15="http://schemas.microsoft.com/office/powerpoint/2012/main" xmlns:ahyp="http://schemas.microsoft.com/office/drawing/2018/hyperlinkcolor" xmlns:go="http://customooxmlschemas.google.com/" r:id="rId22" roundtripDataSignature="AMtx7mhz1SmdKV2hiuRVC0M0Qv/I3R/bJw=="/>
+      <go:slidesCustomData xmlns:go="http://customooxmlschemas.google.com/" xmlns:ahyp="http://schemas.microsoft.com/office/drawing/2018/hyperlinkcolor" xmlns:p15="http://schemas.microsoft.com/office/powerpoint/2012/main" xmlns:p14="http://schemas.microsoft.com/office/powerpoint/2010/main" xmlns:com="http://schemas.openxmlformats.org/drawingml/2006/compatibility" xmlns:pvml="urn:schemas-microsoft-com:office:powerpoint" xmlns:v="urn:schemas-microsoft-com:vml" xmlns:o="urn:schemas-microsoft-com:office:office" xmlns:dgm="http://schemas.openxmlformats.org/drawingml/2006/diagram" xmlns:c="http://schemas.openxmlformats.org/drawingml/2006/chart" xmlns:mv="urn:schemas-microsoft-com:mac:vml" xmlns:mc="http://schemas.openxmlformats.org/markup-compatibility/2006" xmlns="" r:id="rId22" roundtripDataSignature="AMtx7mhz1SmdKV2hiuRVC0M0Qv/I3R/bJw=="/>
     </p:ext>
   </p:extLst>
 </p:presentation>
@@ -17065,6 +17065,65 @@
           </a:p>
         </p:txBody>
       </p:sp>
+      <p:pic>
+        <p:nvPicPr>
+          <p:cNvPr id="4" name="Immagine 3" descr="Immagine che contiene logo, Elementi grafici, simbolo, design">
+            <a:extLst>
+              <a:ext uri="{FF2B5EF4-FFF2-40B4-BE49-F238E27FC236}">
+                <a16:creationId xmlns:a16="http://schemas.microsoft.com/office/drawing/2014/main" id="{AAB9C26E-F8DE-9085-7BE4-B0107646BCEF}"/>
+              </a:ext>
+            </a:extLst>
+          </p:cNvPr>
+          <p:cNvPicPr>
+            <a:picLocks noChangeAspect="1"/>
+          </p:cNvPicPr>
+          <p:nvPr/>
+        </p:nvPicPr>
+        <p:blipFill>
+          <a:blip r:embed="rId3"/>
+          <a:stretch>
+            <a:fillRect/>
+          </a:stretch>
+        </p:blipFill>
+        <p:spPr>
+          <a:xfrm>
+            <a:off x="7357137" y="4399639"/>
+            <a:ext cx="2269463" cy="1845411"/>
+          </a:xfrm>
+          <a:prstGeom prst="rect">
+            <a:avLst/>
+          </a:prstGeom>
+        </p:spPr>
+      </p:pic>
+      <p:pic>
+        <p:nvPicPr>
+          <p:cNvPr id="6" name="Immagine 5" descr="Immagine che contiene schermata, design&#10;&#10;Descrizione generata automaticamente">
+            <a:extLst>
+              <a:ext uri="{FF2B5EF4-FFF2-40B4-BE49-F238E27FC236}">
+                <a16:creationId xmlns:a16="http://schemas.microsoft.com/office/drawing/2014/main" id="{AC872381-CE9F-44F9-79F3-B8D39FC6E612}"/>
+              </a:ext>
+            </a:extLst>
+          </p:cNvPr>
+          <p:cNvPicPr>
+            <a:picLocks noChangeAspect="1"/>
+          </p:cNvPicPr>
+          <p:nvPr/>
+        </p:nvPicPr>
+        <p:blipFill rotWithShape="1">
+          <a:blip r:embed="rId4"/>
+          <a:srcRect t="22692" b="38559"/>
+          <a:stretch/>
+        </p:blipFill>
+        <p:spPr>
+          <a:xfrm>
+            <a:off x="1730000" y="4399639"/>
+            <a:ext cx="4762500" cy="1845411"/>
+          </a:xfrm>
+          <a:prstGeom prst="rect">
+            <a:avLst/>
+          </a:prstGeom>
+        </p:spPr>
+      </p:pic>
     </p:spTree>
   </p:cSld>
   <p:clrMapOvr>

--- a/Parte 2/Presentazione TedxTok(parte 2).pptx
+++ b/Parte 2/Presentazione TedxTok(parte 2).pptx
@@ -271,7 +271,7 @@
       <p15:sldGuideLst xmlns:p15="http://schemas.microsoft.com/office/powerpoint/2012/main"/>
     </p:ext>
     <p:ext uri="GoogleSlidesCustomDataVersion2">
-      <go:slidesCustomData xmlns:go="http://customooxmlschemas.google.com/" xmlns:ahyp="http://schemas.microsoft.com/office/drawing/2018/hyperlinkcolor" xmlns:p15="http://schemas.microsoft.com/office/powerpoint/2012/main" xmlns:p14="http://schemas.microsoft.com/office/powerpoint/2010/main" xmlns:com="http://schemas.openxmlformats.org/drawingml/2006/compatibility" xmlns:pvml="urn:schemas-microsoft-com:office:powerpoint" xmlns:v="urn:schemas-microsoft-com:vml" xmlns:o="urn:schemas-microsoft-com:office:office" xmlns:dgm="http://schemas.openxmlformats.org/drawingml/2006/diagram" xmlns:c="http://schemas.openxmlformats.org/drawingml/2006/chart" xmlns:mv="urn:schemas-microsoft-com:mac:vml" xmlns:mc="http://schemas.openxmlformats.org/markup-compatibility/2006" xmlns="" r:id="rId22" roundtripDataSignature="AMtx7mhz1SmdKV2hiuRVC0M0Qv/I3R/bJw=="/>
+      <go:slidesCustomData xmlns="" xmlns:mc="http://schemas.openxmlformats.org/markup-compatibility/2006" xmlns:mv="urn:schemas-microsoft-com:mac:vml" xmlns:c="http://schemas.openxmlformats.org/drawingml/2006/chart" xmlns:dgm="http://schemas.openxmlformats.org/drawingml/2006/diagram" xmlns:o="urn:schemas-microsoft-com:office:office" xmlns:v="urn:schemas-microsoft-com:vml" xmlns:pvml="urn:schemas-microsoft-com:office:powerpoint" xmlns:com="http://schemas.openxmlformats.org/drawingml/2006/compatibility" xmlns:p14="http://schemas.microsoft.com/office/powerpoint/2010/main" xmlns:p15="http://schemas.microsoft.com/office/powerpoint/2012/main" xmlns:ahyp="http://schemas.microsoft.com/office/drawing/2018/hyperlinkcolor" xmlns:go="http://customooxmlschemas.google.com/" r:id="rId22" roundtripDataSignature="AMtx7mhz1SmdKV2hiuRVC0M0Qv/I3R/bJw=="/>
     </p:ext>
   </p:extLst>
 </p:presentation>
@@ -17067,36 +17067,6 @@
       </p:sp>
       <p:pic>
         <p:nvPicPr>
-          <p:cNvPr id="4" name="Immagine 3" descr="Immagine che contiene logo, Elementi grafici, simbolo, design">
-            <a:extLst>
-              <a:ext uri="{FF2B5EF4-FFF2-40B4-BE49-F238E27FC236}">
-                <a16:creationId xmlns:a16="http://schemas.microsoft.com/office/drawing/2014/main" id="{AAB9C26E-F8DE-9085-7BE4-B0107646BCEF}"/>
-              </a:ext>
-            </a:extLst>
-          </p:cNvPr>
-          <p:cNvPicPr>
-            <a:picLocks noChangeAspect="1"/>
-          </p:cNvPicPr>
-          <p:nvPr/>
-        </p:nvPicPr>
-        <p:blipFill>
-          <a:blip r:embed="rId3"/>
-          <a:stretch>
-            <a:fillRect/>
-          </a:stretch>
-        </p:blipFill>
-        <p:spPr>
-          <a:xfrm>
-            <a:off x="7357137" y="4399639"/>
-            <a:ext cx="2269463" cy="1845411"/>
-          </a:xfrm>
-          <a:prstGeom prst="rect">
-            <a:avLst/>
-          </a:prstGeom>
-        </p:spPr>
-      </p:pic>
-      <p:pic>
-        <p:nvPicPr>
           <p:cNvPr id="6" name="Immagine 5" descr="Immagine che contiene schermata, design&#10;&#10;Descrizione generata automaticamente">
             <a:extLst>
               <a:ext uri="{FF2B5EF4-FFF2-40B4-BE49-F238E27FC236}">
@@ -17110,7 +17080,7 @@
           <p:nvPr/>
         </p:nvPicPr>
         <p:blipFill rotWithShape="1">
-          <a:blip r:embed="rId4"/>
+          <a:blip r:embed="rId3"/>
           <a:srcRect t="22692" b="38559"/>
           <a:stretch/>
         </p:blipFill>
@@ -17118,6 +17088,36 @@
           <a:xfrm>
             <a:off x="1730000" y="4399639"/>
             <a:ext cx="4762500" cy="1845411"/>
+          </a:xfrm>
+          <a:prstGeom prst="rect">
+            <a:avLst/>
+          </a:prstGeom>
+        </p:spPr>
+      </p:pic>
+      <p:pic>
+        <p:nvPicPr>
+          <p:cNvPr id="8" name="Immagine 7">
+            <a:extLst>
+              <a:ext uri="{FF2B5EF4-FFF2-40B4-BE49-F238E27FC236}">
+                <a16:creationId xmlns:a16="http://schemas.microsoft.com/office/drawing/2014/main" id="{A97AF41A-CC88-9E78-BE6D-1A83E283BF8F}"/>
+              </a:ext>
+            </a:extLst>
+          </p:cNvPr>
+          <p:cNvPicPr>
+            <a:picLocks noChangeAspect="1"/>
+          </p:cNvPicPr>
+          <p:nvPr/>
+        </p:nvPicPr>
+        <p:blipFill>
+          <a:blip r:embed="rId4"/>
+          <a:stretch>
+            <a:fillRect/>
+          </a:stretch>
+        </p:blipFill>
+        <p:spPr>
+          <a:xfrm>
+            <a:off x="7518663" y="4357304"/>
+            <a:ext cx="2429673" cy="1975686"/>
           </a:xfrm>
           <a:prstGeom prst="rect">
             <a:avLst/>

--- a/Parte 2/Presentazione TedxTok(parte 2).pptx
+++ b/Parte 2/Presentazione TedxTok(parte 2).pptx
@@ -271,7 +271,7 @@
       <p15:sldGuideLst xmlns:p15="http://schemas.microsoft.com/office/powerpoint/2012/main"/>
     </p:ext>
     <p:ext uri="GoogleSlidesCustomDataVersion2">
-      <go:slidesCustomData xmlns="" xmlns:mc="http://schemas.openxmlformats.org/markup-compatibility/2006" xmlns:mv="urn:schemas-microsoft-com:mac:vml" xmlns:c="http://schemas.openxmlformats.org/drawingml/2006/chart" xmlns:dgm="http://schemas.openxmlformats.org/drawingml/2006/diagram" xmlns:o="urn:schemas-microsoft-com:office:office" xmlns:v="urn:schemas-microsoft-com:vml" xmlns:pvml="urn:schemas-microsoft-com:office:powerpoint" xmlns:com="http://schemas.openxmlformats.org/drawingml/2006/compatibility" xmlns:p14="http://schemas.microsoft.com/office/powerpoint/2010/main" xmlns:p15="http://schemas.microsoft.com/office/powerpoint/2012/main" xmlns:ahyp="http://schemas.microsoft.com/office/drawing/2018/hyperlinkcolor" xmlns:go="http://customooxmlschemas.google.com/" r:id="rId22" roundtripDataSignature="AMtx7mhz1SmdKV2hiuRVC0M0Qv/I3R/bJw=="/>
+      <go:slidesCustomData xmlns:go="http://customooxmlschemas.google.com/" xmlns:ahyp="http://schemas.microsoft.com/office/drawing/2018/hyperlinkcolor" xmlns:p15="http://schemas.microsoft.com/office/powerpoint/2012/main" xmlns:p14="http://schemas.microsoft.com/office/powerpoint/2010/main" xmlns:com="http://schemas.openxmlformats.org/drawingml/2006/compatibility" xmlns:pvml="urn:schemas-microsoft-com:office:powerpoint" xmlns:v="urn:schemas-microsoft-com:vml" xmlns:o="urn:schemas-microsoft-com:office:office" xmlns:dgm="http://schemas.openxmlformats.org/drawingml/2006/diagram" xmlns:c="http://schemas.openxmlformats.org/drawingml/2006/chart" xmlns:mv="urn:schemas-microsoft-com:mac:vml" xmlns:mc="http://schemas.openxmlformats.org/markup-compatibility/2006" xmlns="" r:id="rId22" roundtripDataSignature="AMtx7mhz1SmdKV2hiuRVC0M0Qv/I3R/bJw=="/>
     </p:ext>
   </p:extLst>
 </p:presentation>
@@ -1419,8 +1419,8 @@
         </p:nvSpPr>
         <p:spPr>
           <a:xfrm>
-            <a:off x="1143225" y="685800"/>
-            <a:ext cx="4572225" cy="3429000"/>
+            <a:off x="381000" y="685800"/>
+            <a:ext cx="6096000" cy="3429000"/>
           </a:xfrm>
           <a:custGeom>
             <a:avLst/>
@@ -15733,8 +15733,32 @@
               <a:buNone/>
             </a:pPr>
             <a:r>
-              <a:rPr lang="it-IT"/>
-              <a:t>Job PySpark: Tedtok_data_Loader</a:t>
+              <a:rPr lang="it-IT" dirty="0"/>
+              <a:t>Job </a:t>
+            </a:r>
+            <a:r>
+              <a:rPr lang="it-IT" dirty="0" err="1"/>
+              <a:t>PySpark</a:t>
+            </a:r>
+            <a:r>
+              <a:rPr lang="it-IT" dirty="0"/>
+              <a:t> (</a:t>
+            </a:r>
+            <a:r>
+              <a:rPr lang="it-IT" dirty="0" err="1"/>
+              <a:t>MyTedx</a:t>
+            </a:r>
+            <a:r>
+              <a:rPr lang="it-IT" dirty="0"/>
+              <a:t>): </a:t>
+            </a:r>
+            <a:r>
+              <a:rPr lang="it-IT" dirty="0" err="1"/>
+              <a:t>Load_data</a:t>
+            </a:r>
+            <a:r>
+              <a:rPr lang="it-IT" dirty="0"/>
+              <a:t> </a:t>
             </a:r>
           </a:p>
         </p:txBody>
@@ -15775,32 +15799,40 @@
               <a:buNone/>
             </a:pPr>
             <a:r>
-              <a:rPr lang="it-IT"/>
+              <a:rPr lang="it-IT" dirty="0"/>
               <a:t>Realizzato tramite AWS </a:t>
             </a:r>
             <a:r>
-              <a:rPr lang="it-IT" err="1"/>
+              <a:rPr lang="it-IT" dirty="0" err="1"/>
               <a:t>Glue</a:t>
             </a:r>
             <a:r>
-              <a:rPr lang="it-IT"/>
+              <a:rPr lang="it-IT" dirty="0"/>
               <a:t> con un job </a:t>
             </a:r>
             <a:r>
-              <a:rPr lang="it-IT" err="1"/>
+              <a:rPr lang="it-IT" dirty="0" err="1"/>
               <a:t>PySpark</a:t>
             </a:r>
             <a:r>
-              <a:rPr lang="it-IT"/>
+              <a:rPr lang="it-IT" dirty="0"/>
               <a:t>, abbiamo aggregato i dati dal file "</a:t>
             </a:r>
             <a:r>
-              <a:rPr lang="it-IT" err="1"/>
+              <a:rPr lang="it-IT" dirty="0" err="1"/>
               <a:t>related_videos</a:t>
             </a:r>
             <a:r>
-              <a:rPr lang="it-IT"/>
-              <a:t>" per poi unirli al dataset. Abbiamo aggiunto a ogni documento un array di ID dei video correlati, dei loro titoli e dei loro relatori.</a:t>
+              <a:rPr lang="it-IT" dirty="0"/>
+              <a:t>" per poi inserirli nella collezione " </a:t>
+            </a:r>
+            <a:r>
+              <a:rPr lang="it-IT" dirty="0" err="1"/>
+              <a:t>tedx_data</a:t>
+            </a:r>
+            <a:r>
+              <a:rPr lang="it-IT" dirty="0"/>
+              <a:t>". </a:t>
             </a:r>
           </a:p>
           <a:p>
@@ -15817,7 +15849,10 @@
               <a:buSzPts val="2800"/>
               <a:buNone/>
             </a:pPr>
-            <a:endParaRPr lang="it-IT"/>
+            <a:r>
+              <a:rPr lang="it-IT" dirty="0"/>
+              <a:t>Abbiamo aggiunto a ogni documento un array di ID dei video correlati, dei loro titoli e dei loro relatori.</a:t>
+            </a:r>
           </a:p>
           <a:p>
             <a:pPr marL="0" lvl="0" indent="0" rtl="0">
@@ -15833,8 +15868,75 @@
               <a:buSzPts val="2800"/>
               <a:buNone/>
             </a:pPr>
+            <a:endParaRPr lang="it-IT" dirty="0"/>
+          </a:p>
+          <a:p>
+            <a:pPr marL="0" lvl="0" indent="0" rtl="0">
+              <a:spcBef>
+                <a:spcPts val="0"/>
+              </a:spcBef>
+              <a:spcAft>
+                <a:spcPts val="600"/>
+              </a:spcAft>
+              <a:buClr>
+                <a:schemeClr val="dk1"/>
+              </a:buClr>
+              <a:buSzPts val="2800"/>
+              <a:buNone/>
+            </a:pPr>
             <a:r>
-              <a:rPr lang="it-IT"/>
+              <a:rPr lang="it-IT" dirty="0"/>
+              <a:t>Abbiamo realizzato anche un altro job, chiamato " </a:t>
+            </a:r>
+            <a:r>
+              <a:rPr lang="it-IT" dirty="0" err="1"/>
+              <a:t>TedTok_data_loader</a:t>
+            </a:r>
+            <a:r>
+              <a:rPr lang="it-IT" dirty="0"/>
+              <a:t>" , che esegue una simile operazione, creando una collezione con i dati utili ai fini dell’applicazione </a:t>
+            </a:r>
+            <a:r>
+              <a:rPr lang="it-IT" dirty="0" err="1"/>
+              <a:t>TedTok</a:t>
+            </a:r>
+            <a:r>
+              <a:rPr lang="it-IT" dirty="0"/>
+              <a:t> (gli stessi, senza le immagini).</a:t>
+            </a:r>
+          </a:p>
+          <a:p>
+            <a:pPr marL="0" lvl="0" indent="0" rtl="0">
+              <a:spcBef>
+                <a:spcPts val="0"/>
+              </a:spcBef>
+              <a:spcAft>
+                <a:spcPts val="600"/>
+              </a:spcAft>
+              <a:buClr>
+                <a:schemeClr val="dk1"/>
+              </a:buClr>
+              <a:buSzPts val="2800"/>
+              <a:buNone/>
+            </a:pPr>
+            <a:endParaRPr lang="it-IT" dirty="0"/>
+          </a:p>
+          <a:p>
+            <a:pPr marL="0" lvl="0" indent="0" rtl="0">
+              <a:spcBef>
+                <a:spcPts val="0"/>
+              </a:spcBef>
+              <a:spcAft>
+                <a:spcPts val="600"/>
+              </a:spcAft>
+              <a:buClr>
+                <a:schemeClr val="dk1"/>
+              </a:buClr>
+              <a:buSzPts val="2800"/>
+              <a:buNone/>
+            </a:pPr>
+            <a:r>
+              <a:rPr lang="it-IT" dirty="0"/>
               <a:t>Questo nuovo dato ci permetterà, all'interno della nostra applicazione, di consigliare all'utente video simili a quelli da lui visionati, aumentando così l'utilizzo del nostro software.</a:t>
             </a:r>
           </a:p>
@@ -15912,19 +16014,31 @@
               <a:buNone/>
             </a:pPr>
             <a:r>
-              <a:rPr lang="it-IT"/>
-              <a:t>Codice del Job PySpark:Tedtok_data_loader</a:t>
+              <a:rPr lang="it-IT" dirty="0"/>
+              <a:t>Codice aggiunto al Job </a:t>
             </a:r>
-            <a:endParaRPr/>
+            <a:r>
+              <a:rPr lang="it-IT" dirty="0" err="1"/>
+              <a:t>PySpark</a:t>
+            </a:r>
+            <a:r>
+              <a:rPr lang="it-IT" dirty="0"/>
+              <a:t>: </a:t>
+            </a:r>
+            <a:r>
+              <a:rPr lang="it-IT" dirty="0" err="1"/>
+              <a:t>Load_data</a:t>
+            </a:r>
+            <a:endParaRPr dirty="0"/>
           </a:p>
         </p:txBody>
       </p:sp>
       <p:pic>
         <p:nvPicPr>
-          <p:cNvPr id="3" name="Immagine 2">
+          <p:cNvPr id="6" name="Immagine 5" descr="Immagine che contiene testo, schermata&#10;&#10;Descrizione generata automaticamente">
             <a:extLst>
               <a:ext uri="{FF2B5EF4-FFF2-40B4-BE49-F238E27FC236}">
-                <a16:creationId xmlns:a16="http://schemas.microsoft.com/office/drawing/2014/main" id="{39B606CA-BEA7-8A98-407D-A632ACCF979E}"/>
+                <a16:creationId xmlns:a16="http://schemas.microsoft.com/office/drawing/2014/main" id="{54216A90-F99E-8671-04C7-25CBBA7E1116}"/>
               </a:ext>
             </a:extLst>
           </p:cNvPr>
@@ -15941,8 +16055,8 @@
         </p:blipFill>
         <p:spPr>
           <a:xfrm>
-            <a:off x="396008" y="1465730"/>
-            <a:ext cx="11399983" cy="4087906"/>
+            <a:off x="677710" y="1690688"/>
+            <a:ext cx="10836579" cy="4366638"/>
           </a:xfrm>
           <a:prstGeom prst="rect">
             <a:avLst/>
@@ -16030,7 +16144,7 @@
       </p:sp>
       <p:pic>
         <p:nvPicPr>
-          <p:cNvPr id="160" name="Google Shape;160;p4"/>
+          <p:cNvPr id="161" name="Google Shape;161;p4"/>
           <p:cNvPicPr preferRelativeResize="0"/>
           <p:nvPr/>
         </p:nvPicPr>
@@ -16038,13 +16152,13 @@
           <a:blip r:embed="rId3">
             <a:alphaModFix/>
           </a:blip>
-          <a:srcRect l="1037" r="7160"/>
+          <a:srcRect t="20025"/>
           <a:stretch/>
         </p:blipFill>
         <p:spPr>
           <a:xfrm>
-            <a:off x="2038350" y="1659425"/>
-            <a:ext cx="8115300" cy="2257425"/>
+            <a:off x="1962150" y="3900332"/>
+            <a:ext cx="8115300" cy="1645375"/>
           </a:xfrm>
           <a:prstGeom prst="rect">
             <a:avLst/>
@@ -16057,29 +16171,31 @@
       </p:pic>
       <p:pic>
         <p:nvPicPr>
-          <p:cNvPr id="161" name="Google Shape;161;p4"/>
-          <p:cNvPicPr preferRelativeResize="0"/>
+          <p:cNvPr id="3" name="Immagine 2" descr="Immagine che contiene testo, schermata, Carattere">
+            <a:extLst>
+              <a:ext uri="{FF2B5EF4-FFF2-40B4-BE49-F238E27FC236}">
+                <a16:creationId xmlns:a16="http://schemas.microsoft.com/office/drawing/2014/main" id="{AE712DB1-5198-9F4D-9467-37D232873F25}"/>
+              </a:ext>
+            </a:extLst>
+          </p:cNvPr>
+          <p:cNvPicPr>
+            <a:picLocks noChangeAspect="1"/>
+          </p:cNvPicPr>
           <p:nvPr/>
         </p:nvPicPr>
         <p:blipFill rotWithShape="1">
-          <a:blip r:embed="rId4">
-            <a:alphaModFix/>
-          </a:blip>
-          <a:srcRect t="20025"/>
+          <a:blip r:embed="rId4"/>
+          <a:srcRect l="5054" r="21509" b="19835"/>
           <a:stretch/>
         </p:blipFill>
         <p:spPr>
           <a:xfrm>
-            <a:off x="2038350" y="3553198"/>
-            <a:ext cx="8115300" cy="1645375"/>
+            <a:off x="1962149" y="1721658"/>
+            <a:ext cx="8115301" cy="2178674"/>
           </a:xfrm>
           <a:prstGeom prst="rect">
             <a:avLst/>
           </a:prstGeom>
-          <a:noFill/>
-          <a:ln>
-            <a:noFill/>
-          </a:ln>
         </p:spPr>
       </p:pic>
     </p:spTree>
@@ -16149,13 +16265,28 @@
             </a:r>
             <a:r>
               <a:rPr lang="it-IT" dirty="0" err="1"/>
-              <a:t>PySpark:TedTok_Tag_data</a:t>
+              <a:t>PySpark</a:t>
+            </a:r>
+            <a:r>
+              <a:rPr lang="it-IT" dirty="0"/>
+              <a:t> (</a:t>
+            </a:r>
+            <a:r>
+              <a:rPr lang="it-IT" dirty="0" err="1"/>
+              <a:t>TedTok</a:t>
+            </a:r>
+            <a:r>
+              <a:rPr lang="it-IT" dirty="0"/>
+              <a:t>): </a:t>
+            </a:r>
+            <a:r>
+              <a:rPr lang="it-IT" dirty="0" err="1"/>
+              <a:t>TedTok_Tag_data</a:t>
             </a:r>
             <a:r>
               <a:rPr lang="it-IT" dirty="0"/>
               <a:t> </a:t>
             </a:r>
-            <a:endParaRPr lang="it-IT"/>
           </a:p>
         </p:txBody>
       </p:sp>

--- a/Parte 2/Presentazione TedxTok(parte 2).pptx
+++ b/Parte 2/Presentazione TedxTok(parte 2).pptx
@@ -271,7 +271,7 @@
       <p15:sldGuideLst xmlns:p15="http://schemas.microsoft.com/office/powerpoint/2012/main"/>
     </p:ext>
     <p:ext uri="GoogleSlidesCustomDataVersion2">
-      <go:slidesCustomData xmlns:go="http://customooxmlschemas.google.com/" xmlns:ahyp="http://schemas.microsoft.com/office/drawing/2018/hyperlinkcolor" xmlns:p15="http://schemas.microsoft.com/office/powerpoint/2012/main" xmlns:p14="http://schemas.microsoft.com/office/powerpoint/2010/main" xmlns:com="http://schemas.openxmlformats.org/drawingml/2006/compatibility" xmlns:pvml="urn:schemas-microsoft-com:office:powerpoint" xmlns:v="urn:schemas-microsoft-com:vml" xmlns:o="urn:schemas-microsoft-com:office:office" xmlns:dgm="http://schemas.openxmlformats.org/drawingml/2006/diagram" xmlns:c="http://schemas.openxmlformats.org/drawingml/2006/chart" xmlns:mv="urn:schemas-microsoft-com:mac:vml" xmlns:mc="http://schemas.openxmlformats.org/markup-compatibility/2006" xmlns="" r:id="rId22" roundtripDataSignature="AMtx7mhz1SmdKV2hiuRVC0M0Qv/I3R/bJw=="/>
+      <go:slidesCustomData xmlns="" xmlns:mc="http://schemas.openxmlformats.org/markup-compatibility/2006" xmlns:mv="urn:schemas-microsoft-com:mac:vml" xmlns:c="http://schemas.openxmlformats.org/drawingml/2006/chart" xmlns:dgm="http://schemas.openxmlformats.org/drawingml/2006/diagram" xmlns:o="urn:schemas-microsoft-com:office:office" xmlns:v="urn:schemas-microsoft-com:vml" xmlns:pvml="urn:schemas-microsoft-com:office:powerpoint" xmlns:com="http://schemas.openxmlformats.org/drawingml/2006/compatibility" xmlns:p14="http://schemas.microsoft.com/office/powerpoint/2010/main" xmlns:p15="http://schemas.microsoft.com/office/powerpoint/2012/main" xmlns:ahyp="http://schemas.microsoft.com/office/drawing/2018/hyperlinkcolor" xmlns:go="http://customooxmlschemas.google.com/" r:id="rId22" roundtripDataSignature="AMtx7mhz1SmdKV2hiuRVC0M0Qv/I3R/bJw=="/>
     </p:ext>
   </p:extLst>
 </p:presentation>
@@ -16884,7 +16884,7 @@
         </p:nvSpPr>
         <p:spPr>
           <a:xfrm>
-            <a:off x="1730000" y="691825"/>
+            <a:off x="1730000" y="599503"/>
             <a:ext cx="4708500" cy="1051800"/>
           </a:xfrm>
           <a:prstGeom prst="rect">
@@ -16915,14 +16915,14 @@
               <a:buNone/>
             </a:pPr>
             <a:r>
-              <a:rPr lang="it-IT"/>
+              <a:rPr lang="it-IT" dirty="0"/>
               <a:t>CRITICIT</a:t>
             </a:r>
             <a:r>
-              <a:rPr lang="it-IT" cap="none"/>
+              <a:rPr lang="it-IT" cap="none" dirty="0"/>
               <a:t>À</a:t>
             </a:r>
-            <a:endParaRPr cap="none"/>
+            <a:endParaRPr cap="none" dirty="0"/>
           </a:p>
         </p:txBody>
       </p:sp>
@@ -16938,7 +16938,7 @@
         </p:nvSpPr>
         <p:spPr>
           <a:xfrm>
-            <a:off x="6113150" y="365125"/>
+            <a:off x="6113149" y="354660"/>
             <a:ext cx="5240700" cy="1325700"/>
           </a:xfrm>
           <a:prstGeom prst="rect">
